--- a/Website Sentimental Analysis.pptx
+++ b/Website Sentimental Analysis.pptx
@@ -6236,7 +6236,7 @@
         <p:spPr/>
         <p:txBody>
           <a:bodyPr>
-            <a:normAutofit fontScale="47500" lnSpcReduction="20000"/>
+            <a:normAutofit fontScale="62500" lnSpcReduction="20000"/>
           </a:bodyPr>
           <a:lstStyle/>
           <a:p>
@@ -6258,9 +6258,6 @@
             </a:r>
           </a:p>
           <a:p>
-            <a:endParaRPr lang="en-US" dirty="0"/>
-          </a:p>
-          <a:p>
             <a:r>
               <a:rPr lang="en-US" dirty="0"/>
               <a:t>2. Sentiment Distribution:</a:t>
@@ -6285,9 +6282,6 @@
             </a:r>
           </a:p>
           <a:p>
-            <a:endParaRPr lang="en-US" dirty="0"/>
-          </a:p>
-          <a:p>
             <a:r>
               <a:rPr lang="en-US" dirty="0"/>
               <a:t>3. Top Keywords:</a:t>
@@ -6304,9 +6298,6 @@
               <a:rPr lang="en-US" dirty="0"/>
               <a:t>   - Frequency: 15, 12, 8, 6, 4 (respectively)</a:t>
             </a:r>
-          </a:p>
-          <a:p>
-            <a:endParaRPr lang="en-US" dirty="0"/>
           </a:p>
           <a:p>
             <a:r>
@@ -6605,7 +6596,7 @@
               <a:buChar char="Ø"/>
             </a:pPr>
             <a:r>
-              <a:rPr lang="en-US" sz="2000">
+              <a:rPr lang="en-US" sz="2000" dirty="0" err="1">
                 <a:latin typeface="Calibri"/>
                 <a:ea typeface="+mn-lt"/>
                 <a:cs typeface="+mn-lt"/>
@@ -6627,16 +6618,12 @@
             </a:pPr>
             <a:r>
               <a:rPr lang="en-US" sz="2000" dirty="0">
+                <a:latin typeface="Calibri"/>
                 <a:ea typeface="+mn-lt"/>
                 <a:cs typeface="+mn-lt"/>
               </a:rPr>
-              <a:t>https://github.com/Sudarvizhi-2003/Emotion-recognition.git</a:t>
-            </a:r>
-            <a:endParaRPr lang="en-US" sz="2000" dirty="0">
-              <a:latin typeface="Calibri"/>
-              <a:ea typeface="+mn-lt"/>
-              <a:cs typeface="+mn-lt"/>
-            </a:endParaRPr>
+              <a:t>https://github.com/AMIRTA-LAKSHMI/Gen_AI.git</a:t>
+            </a:r>
           </a:p>
           <a:p>
             <a:pPr>
@@ -7112,7 +7099,7 @@
               <a:buAutoNum type="arabicPeriod"/>
             </a:pPr>
             <a:r>
-              <a:rPr lang="en-US" sz="2000" b="0" i="0" dirty="0">
+              <a:rPr lang="en-US" sz="2100" b="0" i="0" dirty="0">
                 <a:solidFill>
                   <a:srgbClr val="0D0D0D"/>
                 </a:solidFill>
@@ -7128,7 +7115,7 @@
               <a:buAutoNum type="arabicPeriod"/>
             </a:pPr>
             <a:r>
-              <a:rPr lang="en-US" sz="2000" b="0" i="0" dirty="0">
+              <a:rPr lang="en-US" sz="2100" b="0" i="0" dirty="0">
                 <a:solidFill>
                   <a:srgbClr val="0D0D0D"/>
                 </a:solidFill>
@@ -7144,7 +7131,7 @@
               <a:buAutoNum type="arabicPeriod"/>
             </a:pPr>
             <a:r>
-              <a:rPr lang="en-US" sz="2000" b="0" i="0" dirty="0">
+              <a:rPr lang="en-US" sz="2100" b="0" i="0" dirty="0">
                 <a:solidFill>
                   <a:srgbClr val="0D0D0D"/>
                 </a:solidFill>
@@ -7160,7 +7147,7 @@
               <a:buAutoNum type="arabicPeriod"/>
             </a:pPr>
             <a:r>
-              <a:rPr lang="en-US" sz="2000" b="0" i="0" dirty="0">
+              <a:rPr lang="en-US" sz="2100" b="0" i="0" dirty="0">
                 <a:solidFill>
                   <a:srgbClr val="0D0D0D"/>
                 </a:solidFill>
@@ -7838,8 +7825,8 @@
         </p:nvSpPr>
         <p:spPr bwMode="auto">
           <a:xfrm>
-            <a:off x="677863" y="2639333"/>
-            <a:ext cx="5643083" cy="2477859"/>
+            <a:off x="677863" y="2185363"/>
+            <a:ext cx="8657819" cy="3385800"/>
           </a:xfrm>
           <a:prstGeom prst="rect">
             <a:avLst/>
@@ -7927,7 +7914,7 @@
               <a:tabLst/>
             </a:pPr>
             <a:r>
-              <a:rPr kumimoji="0" lang="en-US" altLang="en-US" sz="1200" b="1" i="0" u="none" strike="noStrike" cap="none" normalizeH="0" baseline="0" dirty="0">
+              <a:rPr kumimoji="0" lang="en-US" altLang="en-US" sz="1900" b="1" i="0" u="none" strike="noStrike" cap="none" normalizeH="0" baseline="0" dirty="0">
                 <a:ln>
                   <a:noFill/>
                 </a:ln>
@@ -7939,7 +7926,7 @@
               </a:rPr>
               <a:t>Input:</a:t>
             </a:r>
-            <a:endParaRPr kumimoji="0" lang="en-US" altLang="en-US" sz="1200" b="0" i="0" u="none" strike="noStrike" cap="none" normalizeH="0" baseline="0" dirty="0">
+            <a:endParaRPr kumimoji="0" lang="en-US" altLang="en-US" sz="1900" b="0" i="0" u="none" strike="noStrike" cap="none" normalizeH="0" baseline="0" dirty="0">
               <a:ln>
                 <a:noFill/>
               </a:ln>
@@ -7968,7 +7955,7 @@
               <a:tabLst/>
             </a:pPr>
             <a:r>
-              <a:rPr kumimoji="0" lang="en-US" altLang="en-US" sz="1200" b="0" i="0" u="none" strike="noStrike" cap="none" normalizeH="0" baseline="0" dirty="0">
+              <a:rPr kumimoji="0" lang="en-US" altLang="en-US" sz="1900" b="0" i="0" u="none" strike="noStrike" cap="none" normalizeH="0" baseline="0" dirty="0">
                 <a:ln>
                   <a:noFill/>
                 </a:ln>
@@ -7999,7 +7986,7 @@
               <a:tabLst/>
             </a:pPr>
             <a:r>
-              <a:rPr kumimoji="0" lang="en-US" altLang="en-US" sz="1200" b="1" i="0" u="none" strike="noStrike" cap="none" normalizeH="0" baseline="0" dirty="0">
+              <a:rPr kumimoji="0" lang="en-US" altLang="en-US" sz="1900" b="1" i="0" u="none" strike="noStrike" cap="none" normalizeH="0" baseline="0" dirty="0">
                 <a:ln>
                   <a:noFill/>
                 </a:ln>
@@ -8011,7 +7998,7 @@
               </a:rPr>
               <a:t>Data Retrieval:</a:t>
             </a:r>
-            <a:endParaRPr kumimoji="0" lang="en-US" altLang="en-US" sz="1200" b="0" i="0" u="none" strike="noStrike" cap="none" normalizeH="0" baseline="0" dirty="0">
+            <a:endParaRPr kumimoji="0" lang="en-US" altLang="en-US" sz="1900" b="0" i="0" u="none" strike="noStrike" cap="none" normalizeH="0" baseline="0" dirty="0">
               <a:ln>
                 <a:noFill/>
               </a:ln>
@@ -8040,7 +8027,7 @@
               <a:tabLst/>
             </a:pPr>
             <a:r>
-              <a:rPr kumimoji="0" lang="en-US" altLang="en-US" sz="1200" b="0" i="0" u="none" strike="noStrike" cap="none" normalizeH="0" baseline="0" dirty="0">
+              <a:rPr kumimoji="0" lang="en-US" altLang="en-US" sz="1900" b="0" i="0" u="none" strike="noStrike" cap="none" normalizeH="0" baseline="0" dirty="0">
                 <a:ln>
                   <a:noFill/>
                 </a:ln>
@@ -8071,7 +8058,7 @@
               <a:tabLst/>
             </a:pPr>
             <a:r>
-              <a:rPr kumimoji="0" lang="en-US" altLang="en-US" sz="1200" b="0" i="0" u="none" strike="noStrike" cap="none" normalizeH="0" baseline="0" dirty="0">
+              <a:rPr kumimoji="0" lang="en-US" altLang="en-US" sz="1900" b="0" i="0" u="none" strike="noStrike" cap="none" normalizeH="0" baseline="0" dirty="0">
                 <a:ln>
                   <a:noFill/>
                 </a:ln>
@@ -8084,7 +8071,7 @@
               <a:t>Extract relevant text from HTML elements like </a:t>
             </a:r>
             <a:r>
-              <a:rPr kumimoji="0" lang="en-US" altLang="en-US" b="1" i="0" u="none" strike="noStrike" cap="none" normalizeH="0" baseline="0" dirty="0">
+              <a:rPr kumimoji="0" lang="en-US" altLang="en-US" sz="1900" b="1" i="0" u="none" strike="noStrike" cap="none" normalizeH="0" baseline="0" dirty="0">
                 <a:ln>
                   <a:noFill/>
                 </a:ln>
@@ -8097,7 +8084,7 @@
               <a:t>&lt;p&gt;</a:t>
             </a:r>
             <a:r>
-              <a:rPr kumimoji="0" lang="en-US" altLang="en-US" sz="1200" b="0" i="0" u="none" strike="noStrike" cap="none" normalizeH="0" baseline="0" dirty="0">
+              <a:rPr kumimoji="0" lang="en-US" altLang="en-US" sz="1900" b="0" i="0" u="none" strike="noStrike" cap="none" normalizeH="0" baseline="0" dirty="0">
                 <a:ln>
                   <a:noFill/>
                 </a:ln>
@@ -8110,7 +8097,7 @@
               <a:t>, </a:t>
             </a:r>
             <a:r>
-              <a:rPr kumimoji="0" lang="en-US" altLang="en-US" b="1" i="0" u="none" strike="noStrike" cap="none" normalizeH="0" baseline="0" dirty="0">
+              <a:rPr kumimoji="0" lang="en-US" altLang="en-US" sz="1900" b="1" i="0" u="none" strike="noStrike" cap="none" normalizeH="0" baseline="0" dirty="0">
                 <a:ln>
                   <a:noFill/>
                 </a:ln>
@@ -8123,7 +8110,7 @@
               <a:t>&lt;h1&gt;</a:t>
             </a:r>
             <a:r>
-              <a:rPr kumimoji="0" lang="en-US" altLang="en-US" sz="1200" b="0" i="0" u="none" strike="noStrike" cap="none" normalizeH="0" baseline="0" dirty="0">
+              <a:rPr kumimoji="0" lang="en-US" altLang="en-US" sz="1900" b="0" i="0" u="none" strike="noStrike" cap="none" normalizeH="0" baseline="0" dirty="0">
                 <a:ln>
                   <a:noFill/>
                 </a:ln>
@@ -8136,7 +8123,7 @@
               <a:t>, </a:t>
             </a:r>
             <a:r>
-              <a:rPr kumimoji="0" lang="en-US" altLang="en-US" b="1" i="0" u="none" strike="noStrike" cap="none" normalizeH="0" baseline="0" dirty="0">
+              <a:rPr kumimoji="0" lang="en-US" altLang="en-US" sz="1900" b="1" i="0" u="none" strike="noStrike" cap="none" normalizeH="0" baseline="0" dirty="0">
                 <a:ln>
                   <a:noFill/>
                 </a:ln>
@@ -8149,7 +8136,7 @@
               <a:t>&lt;h2&gt;</a:t>
             </a:r>
             <a:r>
-              <a:rPr kumimoji="0" lang="en-US" altLang="en-US" sz="1200" b="0" i="0" u="none" strike="noStrike" cap="none" normalizeH="0" baseline="0" dirty="0">
+              <a:rPr kumimoji="0" lang="en-US" altLang="en-US" sz="1900" b="0" i="0" u="none" strike="noStrike" cap="none" normalizeH="0" baseline="0" dirty="0">
                 <a:ln>
                   <a:noFill/>
                 </a:ln>
@@ -8180,7 +8167,7 @@
               <a:tabLst/>
             </a:pPr>
             <a:r>
-              <a:rPr kumimoji="0" lang="en-US" altLang="en-US" sz="1200" b="1" i="0" u="none" strike="noStrike" cap="none" normalizeH="0" baseline="0" dirty="0">
+              <a:rPr kumimoji="0" lang="en-US" altLang="en-US" sz="1900" b="1" i="0" u="none" strike="noStrike" cap="none" normalizeH="0" baseline="0" dirty="0">
                 <a:ln>
                   <a:noFill/>
                 </a:ln>
@@ -8192,7 +8179,7 @@
               </a:rPr>
               <a:t>Preprocessing:</a:t>
             </a:r>
-            <a:endParaRPr kumimoji="0" lang="en-US" altLang="en-US" sz="1200" b="0" i="0" u="none" strike="noStrike" cap="none" normalizeH="0" baseline="0" dirty="0">
+            <a:endParaRPr kumimoji="0" lang="en-US" altLang="en-US" sz="1900" b="0" i="0" u="none" strike="noStrike" cap="none" normalizeH="0" baseline="0" dirty="0">
               <a:ln>
                 <a:noFill/>
               </a:ln>
@@ -8221,7 +8208,7 @@
               <a:tabLst/>
             </a:pPr>
             <a:r>
-              <a:rPr kumimoji="0" lang="en-US" altLang="en-US" sz="1200" b="0" i="0" u="none" strike="noStrike" cap="none" normalizeH="0" baseline="0" dirty="0">
+              <a:rPr kumimoji="0" lang="en-US" altLang="en-US" sz="1900" b="0" i="0" u="none" strike="noStrike" cap="none" normalizeH="0" baseline="0" dirty="0">
                 <a:ln>
                   <a:noFill/>
                 </a:ln>
@@ -8252,7 +8239,7 @@
               <a:tabLst/>
             </a:pPr>
             <a:r>
-              <a:rPr kumimoji="0" lang="en-US" altLang="en-US" sz="1200" b="0" i="0" u="none" strike="noStrike" cap="none" normalizeH="0" baseline="0" dirty="0">
+              <a:rPr kumimoji="0" lang="en-US" altLang="en-US" sz="1900" b="0" i="0" u="none" strike="noStrike" cap="none" normalizeH="0" baseline="0" dirty="0">
                 <a:ln>
                   <a:noFill/>
                 </a:ln>
@@ -8283,7 +8270,7 @@
               <a:tabLst/>
             </a:pPr>
             <a:r>
-              <a:rPr kumimoji="0" lang="en-US" altLang="en-US" sz="1200" b="0" i="0" u="none" strike="noStrike" cap="none" normalizeH="0" baseline="0" dirty="0">
+              <a:rPr kumimoji="0" lang="en-US" altLang="en-US" sz="1900" b="0" i="0" u="none" strike="noStrike" cap="none" normalizeH="0" baseline="0" dirty="0">
                 <a:ln>
                   <a:noFill/>
                 </a:ln>
@@ -8443,7 +8430,7 @@
               <a:tabLst/>
             </a:pPr>
             <a:r>
-              <a:rPr kumimoji="0" lang="en-US" altLang="en-US" sz="1200" b="1" i="0" u="none" strike="noStrike" cap="none" normalizeH="0" baseline="0" dirty="0">
+              <a:rPr kumimoji="0" lang="en-US" altLang="en-US" sz="1900" b="1" i="0" u="none" strike="noStrike" cap="none" normalizeH="0" baseline="0" dirty="0">
                 <a:ln>
                   <a:noFill/>
                 </a:ln>
@@ -8455,7 +8442,7 @@
               </a:rPr>
               <a:t>Sentiment Analysis:</a:t>
             </a:r>
-            <a:endParaRPr kumimoji="0" lang="en-US" altLang="en-US" sz="1200" b="0" i="0" u="none" strike="noStrike" cap="none" normalizeH="0" baseline="0" dirty="0">
+            <a:endParaRPr kumimoji="0" lang="en-US" altLang="en-US" sz="1900" b="0" i="0" u="none" strike="noStrike" cap="none" normalizeH="0" baseline="0" dirty="0">
               <a:ln>
                 <a:noFill/>
               </a:ln>
@@ -8484,7 +8471,7 @@
               <a:tabLst/>
             </a:pPr>
             <a:r>
-              <a:rPr kumimoji="0" lang="en-US" altLang="en-US" sz="1200" b="0" i="0" u="none" strike="noStrike" cap="none" normalizeH="0" baseline="0" dirty="0">
+              <a:rPr kumimoji="0" lang="en-US" altLang="en-US" sz="1900" b="0" i="0" u="none" strike="noStrike" cap="none" normalizeH="0" baseline="0" dirty="0">
                 <a:ln>
                   <a:noFill/>
                 </a:ln>
@@ -8515,7 +8502,7 @@
               <a:tabLst/>
             </a:pPr>
             <a:r>
-              <a:rPr kumimoji="0" lang="en-US" altLang="en-US" sz="1200" b="0" i="0" u="none" strike="noStrike" cap="none" normalizeH="0" baseline="0" dirty="0">
+              <a:rPr kumimoji="0" lang="en-US" altLang="en-US" sz="1900" b="0" i="0" u="none" strike="noStrike" cap="none" normalizeH="0" baseline="0" dirty="0">
                 <a:ln>
                   <a:noFill/>
                 </a:ln>
@@ -8546,7 +8533,7 @@
               <a:tabLst/>
             </a:pPr>
             <a:r>
-              <a:rPr kumimoji="0" lang="en-US" altLang="en-US" sz="1200" b="0" i="0" u="none" strike="noStrike" cap="none" normalizeH="0" baseline="0" dirty="0">
+              <a:rPr kumimoji="0" lang="en-US" altLang="en-US" sz="1900" b="0" i="0" u="none" strike="noStrike" cap="none" normalizeH="0" baseline="0" dirty="0">
                 <a:ln>
                   <a:noFill/>
                 </a:ln>
@@ -8577,7 +8564,7 @@
               <a:tabLst/>
             </a:pPr>
             <a:r>
-              <a:rPr kumimoji="0" lang="en-US" altLang="en-US" sz="1200" b="1" i="0" u="none" strike="noStrike" cap="none" normalizeH="0" baseline="0" dirty="0">
+              <a:rPr kumimoji="0" lang="en-US" altLang="en-US" sz="1900" b="1" i="0" u="none" strike="noStrike" cap="none" normalizeH="0" baseline="0" dirty="0">
                 <a:ln>
                   <a:noFill/>
                 </a:ln>
@@ -8589,7 +8576,7 @@
               </a:rPr>
               <a:t>Sentiment Aggregation:</a:t>
             </a:r>
-            <a:endParaRPr kumimoji="0" lang="en-US" altLang="en-US" sz="1200" b="0" i="0" u="none" strike="noStrike" cap="none" normalizeH="0" baseline="0" dirty="0">
+            <a:endParaRPr kumimoji="0" lang="en-US" altLang="en-US" sz="1900" b="0" i="0" u="none" strike="noStrike" cap="none" normalizeH="0" baseline="0" dirty="0">
               <a:ln>
                 <a:noFill/>
               </a:ln>
@@ -8618,7 +8605,7 @@
               <a:tabLst/>
             </a:pPr>
             <a:r>
-              <a:rPr kumimoji="0" lang="en-US" altLang="en-US" sz="1200" b="0" i="0" u="none" strike="noStrike" cap="none" normalizeH="0" baseline="0" dirty="0">
+              <a:rPr kumimoji="0" lang="en-US" altLang="en-US" sz="1900" b="0" i="0" u="none" strike="noStrike" cap="none" normalizeH="0" baseline="0" dirty="0">
                 <a:ln>
                   <a:noFill/>
                 </a:ln>
@@ -8649,7 +8636,7 @@
               <a:tabLst/>
             </a:pPr>
             <a:r>
-              <a:rPr kumimoji="0" lang="en-US" altLang="en-US" sz="1200" b="0" i="0" u="none" strike="noStrike" cap="none" normalizeH="0" baseline="0" dirty="0">
+              <a:rPr kumimoji="0" lang="en-US" altLang="en-US" sz="1900" b="0" i="0" u="none" strike="noStrike" cap="none" normalizeH="0" baseline="0" dirty="0">
                 <a:ln>
                   <a:noFill/>
                 </a:ln>
